--- a/Doc/PictureEdit.pptx
+++ b/Doc/PictureEdit.pptx
@@ -106,19 +106,48 @@
       </a:defRPr>
     </a:lvl9pPr>
   </p:defaultTextStyle>
+  <p:extLst>
+    <p:ext uri="{EFAFB233-063F-42B5-8137-9DF3F51BA10A}">
+      <p15:sldGuideLst xmlns:p15="http://schemas.microsoft.com/office/powerpoint/2012/main"/>
+    </p:ext>
+  </p:extLst>
 </p:presentation>
-</file>
-
-<file path=ppt/revisionInfo.xml><?xml version="1.0" encoding="utf-8"?>
-<p1510:revInfo xmlns:a="http://schemas.openxmlformats.org/drawingml/2006/main" xmlns:r="http://schemas.openxmlformats.org/officeDocument/2006/relationships" xmlns:p1510="http://schemas.microsoft.com/office/powerpoint/2015/10/main">
-  <p1510:revLst>
-    <p1510:client id="{B9A25049-228E-4206-A3DB-4DFB36EDB6F0}" v="29" dt="2022-08-11T13:27:37.930"/>
-  </p1510:revLst>
-</p1510:revInfo>
 </file>
 
 <file path=ppt/changesInfos/changesInfo1.xml><?xml version="1.0" encoding="utf-8"?>
 <pc:chgInfo xmlns:a="http://schemas.openxmlformats.org/drawingml/2006/main" xmlns:r="http://schemas.openxmlformats.org/officeDocument/2006/relationships" xmlns:ac="http://schemas.microsoft.com/office/drawing/2013/main/command" xmlns:pc="http://schemas.microsoft.com/office/powerpoint/2013/main/command">
+  <pc:docChgLst>
+    <pc:chgData name="Xinglin Yu" userId="4801e06f-c74b-485f-b362-ab0302cee3b8" providerId="ADAL" clId="{B9B55CE6-1382-4AEA-9E78-11AE540C20FC}"/>
+    <pc:docChg chg="custSel modSld">
+      <pc:chgData name="Xinglin Yu" userId="4801e06f-c74b-485f-b362-ab0302cee3b8" providerId="ADAL" clId="{B9B55CE6-1382-4AEA-9E78-11AE540C20FC}" dt="2022-08-20T05:16:00.086" v="2" actId="1076"/>
+      <pc:docMkLst>
+        <pc:docMk/>
+      </pc:docMkLst>
+      <pc:sldChg chg="addSp delSp modSp mod">
+        <pc:chgData name="Xinglin Yu" userId="4801e06f-c74b-485f-b362-ab0302cee3b8" providerId="ADAL" clId="{B9B55CE6-1382-4AEA-9E78-11AE540C20FC}" dt="2022-08-20T05:16:00.086" v="2" actId="1076"/>
+        <pc:sldMkLst>
+          <pc:docMk/>
+          <pc:sldMk cId="2296792973" sldId="259"/>
+        </pc:sldMkLst>
+        <pc:cxnChg chg="add mod">
+          <ac:chgData name="Xinglin Yu" userId="4801e06f-c74b-485f-b362-ab0302cee3b8" providerId="ADAL" clId="{B9B55CE6-1382-4AEA-9E78-11AE540C20FC}" dt="2022-08-20T05:16:00.086" v="2" actId="1076"/>
+          <ac:cxnSpMkLst>
+            <pc:docMk/>
+            <pc:sldMk cId="2296792973" sldId="259"/>
+            <ac:cxnSpMk id="3" creationId="{B7C55CF1-3006-918C-2C7C-C9A61736A89D}"/>
+          </ac:cxnSpMkLst>
+        </pc:cxnChg>
+        <pc:cxnChg chg="del">
+          <ac:chgData name="Xinglin Yu" userId="4801e06f-c74b-485f-b362-ab0302cee3b8" providerId="ADAL" clId="{B9B55CE6-1382-4AEA-9E78-11AE540C20FC}" dt="2022-08-20T05:15:54.166" v="0" actId="478"/>
+          <ac:cxnSpMkLst>
+            <pc:docMk/>
+            <pc:sldMk cId="2296792973" sldId="259"/>
+            <ac:cxnSpMk id="52" creationId="{4FAF6A44-E78B-7B9A-87F9-1C6CA0402CC0}"/>
+          </ac:cxnSpMkLst>
+        </pc:cxnChg>
+      </pc:sldChg>
+    </pc:docChg>
+  </pc:docChgLst>
   <pc:docChgLst>
     <pc:chgData name="Xinglin Yu" userId="4801e06f-c74b-485f-b362-ab0302cee3b8" providerId="ADAL" clId="{B9A25049-228E-4206-A3DB-4DFB36EDB6F0}"/>
     <pc:docChg chg="undo redo custSel addSld delSld modSld">
@@ -2193,7 +2222,7 @@
           <a:p>
             <a:fld id="{1BB94C6B-1374-4852-8FF7-DD88DFBC6E74}" type="datetimeFigureOut">
               <a:rPr lang="en-US" smtClean="0"/>
-              <a:t>8/11/2022</a:t>
+              <a:t>8/20/2022</a:t>
             </a:fld>
             <a:endParaRPr lang="en-US"/>
           </a:p>
@@ -2363,7 +2392,7 @@
           <a:p>
             <a:fld id="{1BB94C6B-1374-4852-8FF7-DD88DFBC6E74}" type="datetimeFigureOut">
               <a:rPr lang="en-US" smtClean="0"/>
-              <a:t>8/11/2022</a:t>
+              <a:t>8/20/2022</a:t>
             </a:fld>
             <a:endParaRPr lang="en-US"/>
           </a:p>
@@ -2543,7 +2572,7 @@
           <a:p>
             <a:fld id="{1BB94C6B-1374-4852-8FF7-DD88DFBC6E74}" type="datetimeFigureOut">
               <a:rPr lang="en-US" smtClean="0"/>
-              <a:t>8/11/2022</a:t>
+              <a:t>8/20/2022</a:t>
             </a:fld>
             <a:endParaRPr lang="en-US"/>
           </a:p>
@@ -2713,7 +2742,7 @@
           <a:p>
             <a:fld id="{1BB94C6B-1374-4852-8FF7-DD88DFBC6E74}" type="datetimeFigureOut">
               <a:rPr lang="en-US" smtClean="0"/>
-              <a:t>8/11/2022</a:t>
+              <a:t>8/20/2022</a:t>
             </a:fld>
             <a:endParaRPr lang="en-US"/>
           </a:p>
@@ -2957,7 +2986,7 @@
           <a:p>
             <a:fld id="{1BB94C6B-1374-4852-8FF7-DD88DFBC6E74}" type="datetimeFigureOut">
               <a:rPr lang="en-US" smtClean="0"/>
-              <a:t>8/11/2022</a:t>
+              <a:t>8/20/2022</a:t>
             </a:fld>
             <a:endParaRPr lang="en-US"/>
           </a:p>
@@ -3189,7 +3218,7 @@
           <a:p>
             <a:fld id="{1BB94C6B-1374-4852-8FF7-DD88DFBC6E74}" type="datetimeFigureOut">
               <a:rPr lang="en-US" smtClean="0"/>
-              <a:t>8/11/2022</a:t>
+              <a:t>8/20/2022</a:t>
             </a:fld>
             <a:endParaRPr lang="en-US"/>
           </a:p>
@@ -3556,7 +3585,7 @@
           <a:p>
             <a:fld id="{1BB94C6B-1374-4852-8FF7-DD88DFBC6E74}" type="datetimeFigureOut">
               <a:rPr lang="en-US" smtClean="0"/>
-              <a:t>8/11/2022</a:t>
+              <a:t>8/20/2022</a:t>
             </a:fld>
             <a:endParaRPr lang="en-US"/>
           </a:p>
@@ -3674,7 +3703,7 @@
           <a:p>
             <a:fld id="{1BB94C6B-1374-4852-8FF7-DD88DFBC6E74}" type="datetimeFigureOut">
               <a:rPr lang="en-US" smtClean="0"/>
-              <a:t>8/11/2022</a:t>
+              <a:t>8/20/2022</a:t>
             </a:fld>
             <a:endParaRPr lang="en-US"/>
           </a:p>
@@ -3769,7 +3798,7 @@
           <a:p>
             <a:fld id="{1BB94C6B-1374-4852-8FF7-DD88DFBC6E74}" type="datetimeFigureOut">
               <a:rPr lang="en-US" smtClean="0"/>
-              <a:t>8/11/2022</a:t>
+              <a:t>8/20/2022</a:t>
             </a:fld>
             <a:endParaRPr lang="en-US"/>
           </a:p>
@@ -4046,7 +4075,7 @@
           <a:p>
             <a:fld id="{1BB94C6B-1374-4852-8FF7-DD88DFBC6E74}" type="datetimeFigureOut">
               <a:rPr lang="en-US" smtClean="0"/>
-              <a:t>8/11/2022</a:t>
+              <a:t>8/20/2022</a:t>
             </a:fld>
             <a:endParaRPr lang="en-US"/>
           </a:p>
@@ -4303,7 +4332,7 @@
           <a:p>
             <a:fld id="{1BB94C6B-1374-4852-8FF7-DD88DFBC6E74}" type="datetimeFigureOut">
               <a:rPr lang="en-US" smtClean="0"/>
-              <a:t>8/11/2022</a:t>
+              <a:t>8/20/2022</a:t>
             </a:fld>
             <a:endParaRPr lang="en-US"/>
           </a:p>
@@ -4516,7 +4545,7 @@
           <a:p>
             <a:fld id="{1BB94C6B-1374-4852-8FF7-DD88DFBC6E74}" type="datetimeFigureOut">
               <a:rPr lang="en-US" smtClean="0"/>
-              <a:t>8/11/2022</a:t>
+              <a:t>8/20/2022</a:t>
             </a:fld>
             <a:endParaRPr lang="en-US"/>
           </a:p>
@@ -8494,10 +8523,10 @@
       </p:cxnSp>
       <p:cxnSp>
         <p:nvCxnSpPr>
-          <p:cNvPr id="52" name="Straight Arrow Connector 51">
+          <p:cNvPr id="3" name="Straight Arrow Connector 2">
             <a:extLst>
               <a:ext uri="{FF2B5EF4-FFF2-40B4-BE49-F238E27FC236}">
-                <a16:creationId xmlns:a16="http://schemas.microsoft.com/office/drawing/2014/main" id="{4FAF6A44-E78B-7B9A-87F9-1C6CA0402CC0}"/>
+                <a16:creationId xmlns:a16="http://schemas.microsoft.com/office/drawing/2014/main" id="{B7C55CF1-3006-918C-2C7C-C9A61736A89D}"/>
               </a:ext>
             </a:extLst>
           </p:cNvPr>
@@ -8508,8 +8537,8 @@
         </p:nvCxnSpPr>
         <p:spPr>
           <a:xfrm>
-            <a:off x="1380778" y="2463453"/>
-            <a:ext cx="271231" cy="0"/>
+            <a:off x="1505266" y="2297274"/>
+            <a:ext cx="0" cy="252284"/>
           </a:xfrm>
           <a:prstGeom prst="straightConnector1">
             <a:avLst/>
@@ -8805,4 +8834,10 @@
     </a:ext>
   </a:extLst>
 </a:theme>
+</file>
+
+<file path=docMetadata/LabelInfo.xml><?xml version="1.0" encoding="utf-8"?>
+<clbl:labelList xmlns:clbl="http://schemas.microsoft.com/office/2020/mipLabelMetadata">
+  <clbl:label id="{f42aa342-8706-4288-bd11-ebb85995028c}" enabled="1" method="Standard" siteId="{72f988bf-86f1-41af-91ab-2d7cd011db47}" removed="0"/>
+</clbl:labelList>
 </file>